--- a/Week 4/Capstone Project - The Battle of Neighborhoods.pptx
+++ b/Week 4/Capstone Project - The Battle of Neighborhoods.pptx
@@ -7785,7 +7785,7 @@
         <p:spPr>
           <a:xfrm>
             <a:off x="158969" y="227147"/>
-            <a:ext cx="4273927" cy="6278642"/>
+            <a:ext cx="4273926" cy="6278642"/>
           </a:xfrm>
           <a:prstGeom prst="rect">
             <a:avLst/>
@@ -7877,40 +7877,6 @@
           <a:p>
             <a:pPr algn="ctr"/>
             <a:r>
-              <a:rPr lang="en-US" sz="5400" b="1" dirty="0">
-                <a:ln w="12700" cmpd="sng">
-                  <a:solidFill>
-                    <a:schemeClr val="accent4"/>
-                  </a:solidFill>
-                  <a:prstDash val="solid"/>
-                </a:ln>
-                <a:solidFill>
-                  <a:srgbClr val="0000FF"/>
-                </a:solidFill>
-              </a:rPr>
-              <a:t>City of the IT</a:t>
-            </a:r>
-          </a:p>
-          <a:p>
-            <a:pPr algn="ctr"/>
-            <a:r>
-              <a:rPr lang="en-US" sz="5400" b="1" dirty="0">
-                <a:ln w="12700" cmpd="sng">
-                  <a:solidFill>
-                    <a:schemeClr val="accent4"/>
-                  </a:solidFill>
-                  <a:prstDash val="solid"/>
-                </a:ln>
-                <a:solidFill>
-                  <a:srgbClr val="0000FF"/>
-                </a:solidFill>
-              </a:rPr>
-              <a:t>Hub :</a:t>
-            </a:r>
-          </a:p>
-          <a:p>
-            <a:pPr algn="ctr"/>
-            <a:r>
               <a:rPr lang="en-US" sz="5400" b="1" cap="none" spc="0" dirty="0">
                 <a:ln w="12700" cmpd="sng">
                   <a:solidFill>
@@ -7925,9 +7891,6 @@
               </a:rPr>
               <a:t>Bengaluru</a:t>
             </a:r>
-          </a:p>
-          <a:p>
-            <a:pPr algn="ctr"/>
             <a:endParaRPr lang="en-US" sz="5400" b="1" dirty="0">
               <a:ln w="12700" cmpd="sng">
                 <a:solidFill>
@@ -7939,6 +7902,58 @@
                 <a:srgbClr val="0000FF"/>
               </a:solidFill>
             </a:endParaRPr>
+          </a:p>
+          <a:p>
+            <a:pPr algn="ctr"/>
+            <a:r>
+              <a:rPr lang="en-US" sz="5400" b="1" cap="none" spc="0" dirty="0">
+                <a:ln w="12700" cmpd="sng">
+                  <a:solidFill>
+                    <a:schemeClr val="accent4"/>
+                  </a:solidFill>
+                  <a:prstDash val="solid"/>
+                </a:ln>
+                <a:solidFill>
+                  <a:srgbClr val="0000FF"/>
+                </a:solidFill>
+                <a:effectLst/>
+              </a:rPr>
+              <a:t>The</a:t>
+            </a:r>
+          </a:p>
+          <a:p>
+            <a:pPr algn="ctr"/>
+            <a:r>
+              <a:rPr lang="en-US" sz="5400" b="1" dirty="0">
+                <a:ln w="12700" cmpd="sng">
+                  <a:solidFill>
+                    <a:schemeClr val="accent4"/>
+                  </a:solidFill>
+                  <a:prstDash val="solid"/>
+                </a:ln>
+                <a:solidFill>
+                  <a:srgbClr val="0000FF"/>
+                </a:solidFill>
+              </a:rPr>
+              <a:t>City of the IT</a:t>
+            </a:r>
+          </a:p>
+          <a:p>
+            <a:pPr algn="ctr"/>
+            <a:r>
+              <a:rPr lang="en-US" sz="5400" b="1" dirty="0">
+                <a:ln w="12700" cmpd="sng">
+                  <a:solidFill>
+                    <a:schemeClr val="accent4"/>
+                  </a:solidFill>
+                  <a:prstDash val="solid"/>
+                </a:ln>
+                <a:solidFill>
+                  <a:srgbClr val="0000FF"/>
+                </a:solidFill>
+              </a:rPr>
+              <a:t>Hub </a:t>
+            </a:r>
           </a:p>
           <a:p>
             <a:pPr algn="ctr"/>
@@ -8061,7 +8076,7 @@
                 <a:latin typeface="Times New Roman" panose="02020603050405020304" pitchFamily="18" charset="0"/>
                 <a:cs typeface="Times New Roman" panose="02020603050405020304" pitchFamily="18" charset="0"/>
               </a:rPr>
-              <a:t>City of the IT Hub: Bengaluru</a:t>
+              <a:t>Bengaluru: The City of the IT Hub</a:t>
             </a:r>
           </a:p>
         </p:txBody>
@@ -8177,7 +8192,7 @@
                 <a:latin typeface="Times New Roman" panose="02020603050405020304" pitchFamily="18" charset="0"/>
                 <a:cs typeface="Times New Roman" panose="02020603050405020304" pitchFamily="18" charset="0"/>
               </a:rPr>
-              <a:t>City of the IT Hub: Bengaluru</a:t>
+              <a:t>Bengaluru: The City of the IT Hub</a:t>
             </a:r>
           </a:p>
         </p:txBody>
@@ -8301,7 +8316,7 @@
                 <a:latin typeface="Times New Roman" panose="02020603050405020304" pitchFamily="18" charset="0"/>
                 <a:cs typeface="Times New Roman" panose="02020603050405020304" pitchFamily="18" charset="0"/>
               </a:rPr>
-              <a:t>City of the IT Hub : Bengaluru</a:t>
+              <a:t>Bengaluru: The City of the IT Hub</a:t>
             </a:r>
           </a:p>
         </p:txBody>
